--- a/HLD e LLD/HLD e LLD projeto .pptx
+++ b/HLD e LLD/HLD e LLD projeto .pptx
@@ -276,7 +276,7 @@
           <a:p>
             <a:fld id="{E9CD7A23-101F-436A-BC70-C8E4DE82A51F}" type="datetimeFigureOut">
               <a:rPr lang="pt-BR" smtClean="0"/>
-              <a:t>13/10/2020</a:t>
+              <a:t>14/10/2020</a:t>
             </a:fld>
             <a:endParaRPr lang="pt-BR"/>
           </a:p>
@@ -330,7 +330,7 @@
           <a:p>
             <a:fld id="{F10C33C5-2B6C-44A4-BA85-77DEC2D53E85}" type="slidenum">
               <a:rPr lang="pt-BR" smtClean="0"/>
-              <a:t>‹#›</a:t>
+              <a:t>‹nº›</a:t>
             </a:fld>
             <a:endParaRPr lang="pt-BR"/>
           </a:p>
@@ -474,7 +474,7 @@
           <a:p>
             <a:fld id="{E9CD7A23-101F-436A-BC70-C8E4DE82A51F}" type="datetimeFigureOut">
               <a:rPr lang="pt-BR" smtClean="0"/>
-              <a:t>13/10/2020</a:t>
+              <a:t>14/10/2020</a:t>
             </a:fld>
             <a:endParaRPr lang="pt-BR"/>
           </a:p>
@@ -528,7 +528,7 @@
           <a:p>
             <a:fld id="{F10C33C5-2B6C-44A4-BA85-77DEC2D53E85}" type="slidenum">
               <a:rPr lang="pt-BR" smtClean="0"/>
-              <a:t>‹#›</a:t>
+              <a:t>‹nº›</a:t>
             </a:fld>
             <a:endParaRPr lang="pt-BR"/>
           </a:p>
@@ -682,7 +682,7 @@
           <a:p>
             <a:fld id="{E9CD7A23-101F-436A-BC70-C8E4DE82A51F}" type="datetimeFigureOut">
               <a:rPr lang="pt-BR" smtClean="0"/>
-              <a:t>13/10/2020</a:t>
+              <a:t>14/10/2020</a:t>
             </a:fld>
             <a:endParaRPr lang="pt-BR"/>
           </a:p>
@@ -736,7 +736,7 @@
           <a:p>
             <a:fld id="{F10C33C5-2B6C-44A4-BA85-77DEC2D53E85}" type="slidenum">
               <a:rPr lang="pt-BR" smtClean="0"/>
-              <a:t>‹#›</a:t>
+              <a:t>‹nº›</a:t>
             </a:fld>
             <a:endParaRPr lang="pt-BR"/>
           </a:p>
@@ -880,7 +880,7 @@
           <a:p>
             <a:fld id="{E9CD7A23-101F-436A-BC70-C8E4DE82A51F}" type="datetimeFigureOut">
               <a:rPr lang="pt-BR" smtClean="0"/>
-              <a:t>13/10/2020</a:t>
+              <a:t>14/10/2020</a:t>
             </a:fld>
             <a:endParaRPr lang="pt-BR"/>
           </a:p>
@@ -934,7 +934,7 @@
           <a:p>
             <a:fld id="{F10C33C5-2B6C-44A4-BA85-77DEC2D53E85}" type="slidenum">
               <a:rPr lang="pt-BR" smtClean="0"/>
-              <a:t>‹#›</a:t>
+              <a:t>‹nº›</a:t>
             </a:fld>
             <a:endParaRPr lang="pt-BR"/>
           </a:p>
@@ -1155,7 +1155,7 @@
           <a:p>
             <a:fld id="{E9CD7A23-101F-436A-BC70-C8E4DE82A51F}" type="datetimeFigureOut">
               <a:rPr lang="pt-BR" smtClean="0"/>
-              <a:t>13/10/2020</a:t>
+              <a:t>14/10/2020</a:t>
             </a:fld>
             <a:endParaRPr lang="pt-BR"/>
           </a:p>
@@ -1209,7 +1209,7 @@
           <a:p>
             <a:fld id="{F10C33C5-2B6C-44A4-BA85-77DEC2D53E85}" type="slidenum">
               <a:rPr lang="pt-BR" smtClean="0"/>
-              <a:t>‹#›</a:t>
+              <a:t>‹nº›</a:t>
             </a:fld>
             <a:endParaRPr lang="pt-BR"/>
           </a:p>
@@ -1420,7 +1420,7 @@
           <a:p>
             <a:fld id="{E9CD7A23-101F-436A-BC70-C8E4DE82A51F}" type="datetimeFigureOut">
               <a:rPr lang="pt-BR" smtClean="0"/>
-              <a:t>13/10/2020</a:t>
+              <a:t>14/10/2020</a:t>
             </a:fld>
             <a:endParaRPr lang="pt-BR"/>
           </a:p>
@@ -1474,7 +1474,7 @@
           <a:p>
             <a:fld id="{F10C33C5-2B6C-44A4-BA85-77DEC2D53E85}" type="slidenum">
               <a:rPr lang="pt-BR" smtClean="0"/>
-              <a:t>‹#›</a:t>
+              <a:t>‹nº›</a:t>
             </a:fld>
             <a:endParaRPr lang="pt-BR"/>
           </a:p>
@@ -1832,7 +1832,7 @@
           <a:p>
             <a:fld id="{E9CD7A23-101F-436A-BC70-C8E4DE82A51F}" type="datetimeFigureOut">
               <a:rPr lang="pt-BR" smtClean="0"/>
-              <a:t>13/10/2020</a:t>
+              <a:t>14/10/2020</a:t>
             </a:fld>
             <a:endParaRPr lang="pt-BR"/>
           </a:p>
@@ -1886,7 +1886,7 @@
           <a:p>
             <a:fld id="{F10C33C5-2B6C-44A4-BA85-77DEC2D53E85}" type="slidenum">
               <a:rPr lang="pt-BR" smtClean="0"/>
-              <a:t>‹#›</a:t>
+              <a:t>‹nº›</a:t>
             </a:fld>
             <a:endParaRPr lang="pt-BR"/>
           </a:p>
@@ -1973,7 +1973,7 @@
           <a:p>
             <a:fld id="{E9CD7A23-101F-436A-BC70-C8E4DE82A51F}" type="datetimeFigureOut">
               <a:rPr lang="pt-BR" smtClean="0"/>
-              <a:t>13/10/2020</a:t>
+              <a:t>14/10/2020</a:t>
             </a:fld>
             <a:endParaRPr lang="pt-BR"/>
           </a:p>
@@ -2027,7 +2027,7 @@
           <a:p>
             <a:fld id="{F10C33C5-2B6C-44A4-BA85-77DEC2D53E85}" type="slidenum">
               <a:rPr lang="pt-BR" smtClean="0"/>
-              <a:t>‹#›</a:t>
+              <a:t>‹nº›</a:t>
             </a:fld>
             <a:endParaRPr lang="pt-BR"/>
           </a:p>
@@ -2086,7 +2086,7 @@
           <a:p>
             <a:fld id="{E9CD7A23-101F-436A-BC70-C8E4DE82A51F}" type="datetimeFigureOut">
               <a:rPr lang="pt-BR" smtClean="0"/>
-              <a:t>13/10/2020</a:t>
+              <a:t>14/10/2020</a:t>
             </a:fld>
             <a:endParaRPr lang="pt-BR"/>
           </a:p>
@@ -2140,7 +2140,7 @@
           <a:p>
             <a:fld id="{F10C33C5-2B6C-44A4-BA85-77DEC2D53E85}" type="slidenum">
               <a:rPr lang="pt-BR" smtClean="0"/>
-              <a:t>‹#›</a:t>
+              <a:t>‹nº›</a:t>
             </a:fld>
             <a:endParaRPr lang="pt-BR"/>
           </a:p>
@@ -2397,7 +2397,7 @@
           <a:p>
             <a:fld id="{E9CD7A23-101F-436A-BC70-C8E4DE82A51F}" type="datetimeFigureOut">
               <a:rPr lang="pt-BR" smtClean="0"/>
-              <a:t>13/10/2020</a:t>
+              <a:t>14/10/2020</a:t>
             </a:fld>
             <a:endParaRPr lang="pt-BR"/>
           </a:p>
@@ -2451,7 +2451,7 @@
           <a:p>
             <a:fld id="{F10C33C5-2B6C-44A4-BA85-77DEC2D53E85}" type="slidenum">
               <a:rPr lang="pt-BR" smtClean="0"/>
-              <a:t>‹#›</a:t>
+              <a:t>‹nº›</a:t>
             </a:fld>
             <a:endParaRPr lang="pt-BR"/>
           </a:p>
@@ -2685,7 +2685,7 @@
           <a:p>
             <a:fld id="{E9CD7A23-101F-436A-BC70-C8E4DE82A51F}" type="datetimeFigureOut">
               <a:rPr lang="pt-BR" smtClean="0"/>
-              <a:t>13/10/2020</a:t>
+              <a:t>14/10/2020</a:t>
             </a:fld>
             <a:endParaRPr lang="pt-BR"/>
           </a:p>
@@ -2739,7 +2739,7 @@
           <a:p>
             <a:fld id="{F10C33C5-2B6C-44A4-BA85-77DEC2D53E85}" type="slidenum">
               <a:rPr lang="pt-BR" smtClean="0"/>
-              <a:t>‹#›</a:t>
+              <a:t>‹nº›</a:t>
             </a:fld>
             <a:endParaRPr lang="pt-BR"/>
           </a:p>
@@ -2926,7 +2926,7 @@
           <a:p>
             <a:fld id="{E9CD7A23-101F-436A-BC70-C8E4DE82A51F}" type="datetimeFigureOut">
               <a:rPr lang="pt-BR" smtClean="0"/>
-              <a:t>13/10/2020</a:t>
+              <a:t>14/10/2020</a:t>
             </a:fld>
             <a:endParaRPr lang="pt-BR"/>
           </a:p>
@@ -3016,7 +3016,7 @@
           <a:p>
             <a:fld id="{F10C33C5-2B6C-44A4-BA85-77DEC2D53E85}" type="slidenum">
               <a:rPr lang="pt-BR" smtClean="0"/>
-              <a:t>‹#›</a:t>
+              <a:t>‹nº›</a:t>
             </a:fld>
             <a:endParaRPr lang="pt-BR"/>
           </a:p>
@@ -4440,123 +4440,102 @@
           </p:txBody>
         </p:sp>
       </p:grpSp>
-      <p:grpSp>
-        <p:nvGrpSpPr>
-          <p:cNvPr id="13" name="Agrupar 12">
-            <a:extLst>
-              <a:ext uri="{FF2B5EF4-FFF2-40B4-BE49-F238E27FC236}">
-                <a16:creationId xmlns:a16="http://schemas.microsoft.com/office/drawing/2014/main" id="{B834B08C-F3F8-4FB2-A826-1B2BF09D86D9}"/>
-              </a:ext>
-            </a:extLst>
-          </p:cNvPr>
-          <p:cNvGrpSpPr/>
-          <p:nvPr/>
-        </p:nvGrpSpPr>
-        <p:grpSpPr>
-          <a:xfrm>
-            <a:off x="8966384" y="4264677"/>
+      <p:sp>
+        <p:nvSpPr>
+          <p:cNvPr id="47" name="Rectangle: Rounded Corners 46">
+            <a:extLst>
+              <a:ext uri="{FF2B5EF4-FFF2-40B4-BE49-F238E27FC236}">
+                <a16:creationId xmlns:a16="http://schemas.microsoft.com/office/drawing/2014/main" id="{F4C2A927-EF1C-48FB-9285-0E26B38F2FBB}"/>
+              </a:ext>
+            </a:extLst>
+          </p:cNvPr>
+          <p:cNvSpPr/>
+          <p:nvPr/>
+        </p:nvSpPr>
+        <p:spPr>
+          <a:xfrm>
+            <a:off x="8998497" y="4315497"/>
+            <a:ext cx="1697934" cy="289890"/>
+          </a:xfrm>
+          <a:prstGeom prst="roundRect">
+            <a:avLst/>
+          </a:prstGeom>
+          <a:solidFill>
+            <a:schemeClr val="bg1">
+              <a:alpha val="68000"/>
+            </a:schemeClr>
+          </a:solidFill>
+          <a:ln>
+            <a:noFill/>
+          </a:ln>
+        </p:spPr>
+        <p:style>
+          <a:lnRef idx="2">
+            <a:schemeClr val="accent1">
+              <a:shade val="50000"/>
+            </a:schemeClr>
+          </a:lnRef>
+          <a:fillRef idx="1">
+            <a:schemeClr val="accent1"/>
+          </a:fillRef>
+          <a:effectRef idx="0">
+            <a:schemeClr val="accent1"/>
+          </a:effectRef>
+          <a:fontRef idx="minor">
+            <a:schemeClr val="lt1"/>
+          </a:fontRef>
+        </p:style>
+        <p:txBody>
+          <a:bodyPr rtlCol="0" anchor="ctr"/>
+          <a:lstStyle/>
+          <a:p>
+            <a:pPr algn="ctr"/>
+            <a:endParaRPr lang="en-US"/>
+          </a:p>
+        </p:txBody>
+      </p:sp>
+      <p:sp>
+        <p:nvSpPr>
+          <p:cNvPr id="29" name="TextBox 28">
+            <a:extLst>
+              <a:ext uri="{FF2B5EF4-FFF2-40B4-BE49-F238E27FC236}">
+                <a16:creationId xmlns:a16="http://schemas.microsoft.com/office/drawing/2014/main" id="{3026D534-8A97-42F1-BB34-B8189A2E6D5F}"/>
+              </a:ext>
+            </a:extLst>
+          </p:cNvPr>
+          <p:cNvSpPr txBox="1"/>
+          <p:nvPr/>
+        </p:nvSpPr>
+        <p:spPr>
+          <a:xfrm>
+            <a:off x="9032185" y="4265802"/>
             <a:ext cx="1776008" cy="369332"/>
-            <a:chOff x="8966384" y="4264677"/>
-            <a:chExt cx="1776008" cy="369332"/>
-          </a:xfrm>
-        </p:grpSpPr>
-        <p:sp>
-          <p:nvSpPr>
-            <p:cNvPr id="47" name="Rectangle: Rounded Corners 46">
-              <a:extLst>
-                <a:ext uri="{FF2B5EF4-FFF2-40B4-BE49-F238E27FC236}">
-                  <a16:creationId xmlns:a16="http://schemas.microsoft.com/office/drawing/2014/main" id="{F4C2A927-EF1C-48FB-9285-0E26B38F2FBB}"/>
-                </a:ext>
-              </a:extLst>
-            </p:cNvPr>
-            <p:cNvSpPr/>
-            <p:nvPr/>
-          </p:nvSpPr>
-          <p:spPr>
-            <a:xfrm>
-              <a:off x="8998497" y="4315497"/>
-              <a:ext cx="1697934" cy="289890"/>
-            </a:xfrm>
-            <a:prstGeom prst="roundRect">
+          </a:xfrm>
+          <a:prstGeom prst="rect">
+            <a:avLst/>
+          </a:prstGeom>
+          <a:noFill/>
+        </p:spPr>
+        <p:txBody>
+          <a:bodyPr rot="0" spcFirstLastPara="0" vertOverflow="overflow" horzOverflow="overflow" vert="horz" wrap="square" lIns="91440" tIns="45720" rIns="91440" bIns="45720" numCol="1" spcCol="0" rtlCol="0" fromWordArt="0" anchor="t" anchorCtr="0" forceAA="0" compatLnSpc="1">
+            <a:prstTxWarp prst="textNoShape">
               <a:avLst/>
-            </a:prstGeom>
-            <a:solidFill>
-              <a:schemeClr val="bg1">
-                <a:alpha val="68000"/>
-              </a:schemeClr>
-            </a:solidFill>
-            <a:ln>
-              <a:noFill/>
-            </a:ln>
-          </p:spPr>
-          <p:style>
-            <a:lnRef idx="2">
-              <a:schemeClr val="accent1">
-                <a:shade val="50000"/>
-              </a:schemeClr>
-            </a:lnRef>
-            <a:fillRef idx="1">
-              <a:schemeClr val="accent1"/>
-            </a:fillRef>
-            <a:effectRef idx="0">
-              <a:schemeClr val="accent1"/>
-            </a:effectRef>
-            <a:fontRef idx="minor">
-              <a:schemeClr val="lt1"/>
-            </a:fontRef>
-          </p:style>
-          <p:txBody>
-            <a:bodyPr rtlCol="0" anchor="ctr"/>
-            <a:lstStyle/>
-            <a:p>
-              <a:pPr algn="ctr"/>
-              <a:endParaRPr lang="en-US"/>
-            </a:p>
-          </p:txBody>
-        </p:sp>
-        <p:sp>
-          <p:nvSpPr>
-            <p:cNvPr id="29" name="TextBox 28">
-              <a:extLst>
-                <a:ext uri="{FF2B5EF4-FFF2-40B4-BE49-F238E27FC236}">
-                  <a16:creationId xmlns:a16="http://schemas.microsoft.com/office/drawing/2014/main" id="{3026D534-8A97-42F1-BB34-B8189A2E6D5F}"/>
-                </a:ext>
-              </a:extLst>
-            </p:cNvPr>
-            <p:cNvSpPr txBox="1"/>
-            <p:nvPr/>
-          </p:nvSpPr>
-          <p:spPr>
-            <a:xfrm>
-              <a:off x="8966384" y="4264677"/>
-              <a:ext cx="1776008" cy="369332"/>
-            </a:xfrm>
-            <a:prstGeom prst="rect">
-              <a:avLst/>
-            </a:prstGeom>
-            <a:noFill/>
-          </p:spPr>
-          <p:txBody>
-            <a:bodyPr rot="0" spcFirstLastPara="0" vertOverflow="overflow" horzOverflow="overflow" vert="horz" wrap="square" lIns="91440" tIns="45720" rIns="91440" bIns="45720" numCol="1" spcCol="0" rtlCol="0" fromWordArt="0" anchor="t" anchorCtr="0" forceAA="0" compatLnSpc="1">
-              <a:prstTxWarp prst="textNoShape">
-                <a:avLst/>
-              </a:prstTxWarp>
-              <a:spAutoFit/>
-            </a:bodyPr>
-            <a:lstStyle/>
-            <a:p>
-              <a:pPr algn="l"/>
-              <a:r>
-                <a:rPr lang="en-US">
-                  <a:latin typeface="Rockwell Extra Bold"/>
-                  <a:cs typeface="Calibri"/>
-                </a:rPr>
-                <a:t>REGRISTRO</a:t>
-              </a:r>
-            </a:p>
-          </p:txBody>
-        </p:sp>
-      </p:grpSp>
+            </a:prstTxWarp>
+            <a:spAutoFit/>
+          </a:bodyPr>
+          <a:lstStyle/>
+          <a:p>
+            <a:pPr algn="l"/>
+            <a:r>
+              <a:rPr lang="en-US" dirty="0">
+                <a:latin typeface="Rockwell Extra Bold"/>
+                <a:cs typeface="Calibri"/>
+              </a:rPr>
+              <a:t>REGISTRO</a:t>
+            </a:r>
+          </a:p>
+        </p:txBody>
+      </p:sp>
       <p:pic>
         <p:nvPicPr>
           <p:cNvPr id="37" name="Picture 11" descr="A close up of a sign&#10;&#10;Description automatically generated">
@@ -5566,8 +5545,8 @@
         </p:nvSpPr>
         <p:spPr>
           <a:xfrm>
-            <a:off x="5660336" y="3788467"/>
-            <a:ext cx="979006" cy="261610"/>
+            <a:off x="5594497" y="3775708"/>
+            <a:ext cx="1135104" cy="261610"/>
           </a:xfrm>
           <a:prstGeom prst="rect">
             <a:avLst/>
@@ -5588,7 +5567,7 @@
               <a:rPr lang="en-US" sz="1100" dirty="0">
                 <a:latin typeface="Rockwell Nova Extra Bold"/>
               </a:rPr>
-              <a:t>INTENET</a:t>
+              <a:t>INTERNET</a:t>
             </a:r>
           </a:p>
         </p:txBody>
@@ -7305,15 +7284,6 @@
 </file>
 
 <file path=customXml/item1.xml><?xml version="1.0" encoding="utf-8"?>
-<?mso-contentType ?>
-<FormTemplates xmlns="http://schemas.microsoft.com/sharepoint/v3/contenttype/forms">
-  <Display>DocumentLibraryForm</Display>
-  <Edit>DocumentLibraryForm</Edit>
-  <New>DocumentLibraryForm</New>
-</FormTemplates>
-</file>
-
-<file path=customXml/item2.xml><?xml version="1.0" encoding="utf-8"?>
 <ct:contentTypeSchema xmlns:ct="http://schemas.microsoft.com/office/2006/metadata/contentType" xmlns:ma="http://schemas.microsoft.com/office/2006/metadata/properties/metaAttributes" ct:_="" ma:_="" ma:contentTypeName="Document" ma:contentTypeID="0x010100F1B03A2C6F14B74A87B7406D8C8602D9" ma:contentTypeVersion="4" ma:contentTypeDescription="Create a new document." ma:contentTypeScope="" ma:versionID="a10974835855d9a0b7f4e827a845e06b">
   <xsd:schema xmlns:xsd="http://www.w3.org/2001/XMLSchema" xmlns:xs="http://www.w3.org/2001/XMLSchema" xmlns:p="http://schemas.microsoft.com/office/2006/metadata/properties" xmlns:ns3="a4168f83-3f2b-410c-9e3e-6dd5775ac2ad" targetNamespace="http://schemas.microsoft.com/office/2006/metadata/properties" ma:root="true" ma:fieldsID="2537683195c2ad44c12f0a1e94dd8522" ns3:_="">
     <xsd:import namespace="a4168f83-3f2b-410c-9e3e-6dd5775ac2ad"/>
@@ -7459,6 +7429,15 @@
 </ct:contentTypeSchema>
 </file>
 
+<file path=customXml/item2.xml><?xml version="1.0" encoding="utf-8"?>
+<?mso-contentType ?>
+<FormTemplates xmlns="http://schemas.microsoft.com/sharepoint/v3/contenttype/forms">
+  <Display>DocumentLibraryForm</Display>
+  <Edit>DocumentLibraryForm</Edit>
+  <New>DocumentLibraryForm</New>
+</FormTemplates>
+</file>
+
 <file path=customXml/item3.xml><?xml version="1.0" encoding="utf-8"?>
 <p:properties xmlns:p="http://schemas.microsoft.com/office/2006/metadata/properties" xmlns:xsi="http://www.w3.org/2001/XMLSchema-instance" xmlns:pc="http://schemas.microsoft.com/office/infopath/2007/PartnerControls">
   <documentManagement/>
@@ -7466,14 +7445,6 @@
 </file>
 
 <file path=customXml/itemProps1.xml><?xml version="1.0" encoding="utf-8"?>
-<ds:datastoreItem xmlns:ds="http://schemas.openxmlformats.org/officeDocument/2006/customXml" ds:itemID="{0AE472F2-DB9B-4823-BF01-E36EB9366470}">
-  <ds:schemaRefs>
-    <ds:schemaRef ds:uri="http://schemas.microsoft.com/sharepoint/v3/contenttype/forms"/>
-  </ds:schemaRefs>
-</ds:datastoreItem>
-</file>
-
-<file path=customXml/itemProps2.xml><?xml version="1.0" encoding="utf-8"?>
 <ds:datastoreItem xmlns:ds="http://schemas.openxmlformats.org/officeDocument/2006/customXml" ds:itemID="{CACBC780-8B86-4EE3-BE24-1ED45E7E00DB}">
   <ds:schemaRefs>
     <ds:schemaRef ds:uri="a4168f83-3f2b-410c-9e3e-6dd5775ac2ad"/>
@@ -7487,6 +7458,14 @@
     <ds:schemaRef ds:uri="http://schemas.microsoft.com/office/infopath/2007/PartnerControls"/>
     <ds:schemaRef ds:uri="http://schemas.openxmlformats.org/package/2006/metadata/core-properties"/>
     <ds:schemaRef ds:uri="http://www.w3.org/2001/XMLSchema"/>
+  </ds:schemaRefs>
+</ds:datastoreItem>
+</file>
+
+<file path=customXml/itemProps2.xml><?xml version="1.0" encoding="utf-8"?>
+<ds:datastoreItem xmlns:ds="http://schemas.openxmlformats.org/officeDocument/2006/customXml" ds:itemID="{0AE472F2-DB9B-4823-BF01-E36EB9366470}">
+  <ds:schemaRefs>
+    <ds:schemaRef ds:uri="http://schemas.microsoft.com/sharepoint/v3/contenttype/forms"/>
   </ds:schemaRefs>
 </ds:datastoreItem>
 </file>
